--- a/graphical_abstract/graphicalabstract.pptx
+++ b/graphical_abstract/graphicalabstract.pptx
@@ -5,10 +5,11 @@
     <p:sldMasterId id="2147483660" r:id="rId1"/>
   </p:sldMasterIdLst>
   <p:notesMasterIdLst>
-    <p:notesMasterId r:id="rId3"/>
+    <p:notesMasterId r:id="rId4"/>
   </p:notesMasterIdLst>
   <p:sldIdLst>
     <p:sldId id="256" r:id="rId2"/>
+    <p:sldId id="258" r:id="rId3"/>
   </p:sldIdLst>
   <p:sldSz cx="12192000" cy="6858000"/>
   <p:notesSz cx="6858000" cy="9144000"/>
@@ -197,7 +198,7 @@
           <a:p>
             <a:fld id="{20597CCD-8537-8B4B-877A-58EE5F941118}" type="datetimeFigureOut">
               <a:rPr lang="en-US" smtClean="0"/>
-              <a:t>6/26/24</a:t>
+              <a:t>8/12/24</a:t>
             </a:fld>
             <a:endParaRPr lang="en-US"/>
           </a:p>
@@ -549,6 +550,90 @@
 </p:notes>
 </file>
 
+<file path=ppt/notesSlides/notesSlide2.xml><?xml version="1.0" encoding="utf-8"?>
+<p:notes xmlns:a="http://schemas.openxmlformats.org/drawingml/2006/main" xmlns:r="http://schemas.openxmlformats.org/officeDocument/2006/relationships" xmlns:p="http://schemas.openxmlformats.org/presentationml/2006/main">
+  <p:cSld>
+    <p:spTree>
+      <p:nvGrpSpPr>
+        <p:cNvPr id="1" name=""/>
+        <p:cNvGrpSpPr/>
+        <p:nvPr/>
+      </p:nvGrpSpPr>
+      <p:grpSpPr>
+        <a:xfrm>
+          <a:off x="0" y="0"/>
+          <a:ext cx="0" cy="0"/>
+          <a:chOff x="0" y="0"/>
+          <a:chExt cx="0" cy="0"/>
+        </a:xfrm>
+      </p:grpSpPr>
+      <p:sp>
+        <p:nvSpPr>
+          <p:cNvPr id="2" name="Slide Image Placeholder 1"/>
+          <p:cNvSpPr>
+            <a:spLocks noGrp="1" noRot="1" noChangeAspect="1"/>
+          </p:cNvSpPr>
+          <p:nvPr>
+            <p:ph type="sldImg"/>
+          </p:nvPr>
+        </p:nvSpPr>
+        <p:spPr/>
+      </p:sp>
+      <p:sp>
+        <p:nvSpPr>
+          <p:cNvPr id="3" name="Notes Placeholder 2"/>
+          <p:cNvSpPr>
+            <a:spLocks noGrp="1"/>
+          </p:cNvSpPr>
+          <p:nvPr>
+            <p:ph type="body" idx="1"/>
+          </p:nvPr>
+        </p:nvSpPr>
+        <p:spPr/>
+        <p:txBody>
+          <a:bodyPr/>
+          <a:lstStyle/>
+          <a:p>
+            <a:endParaRPr lang="en-TZ" dirty="0"/>
+          </a:p>
+        </p:txBody>
+      </p:sp>
+      <p:sp>
+        <p:nvSpPr>
+          <p:cNvPr id="4" name="Slide Number Placeholder 3"/>
+          <p:cNvSpPr>
+            <a:spLocks noGrp="1"/>
+          </p:cNvSpPr>
+          <p:nvPr>
+            <p:ph type="sldNum" sz="quarter" idx="5"/>
+          </p:nvPr>
+        </p:nvSpPr>
+        <p:spPr/>
+        <p:txBody>
+          <a:bodyPr/>
+          <a:lstStyle/>
+          <a:p>
+            <a:fld id="{B1700B7E-7B36-AB4B-9B1D-4761B31D0079}" type="slidenum">
+              <a:rPr lang="en-US" smtClean="0"/>
+              <a:t>2</a:t>
+            </a:fld>
+            <a:endParaRPr lang="en-US"/>
+          </a:p>
+        </p:txBody>
+      </p:sp>
+    </p:spTree>
+    <p:extLst>
+      <p:ext uri="{BB962C8B-B14F-4D97-AF65-F5344CB8AC3E}">
+        <p14:creationId xmlns:p14="http://schemas.microsoft.com/office/powerpoint/2010/main" val="2064467902"/>
+      </p:ext>
+    </p:extLst>
+  </p:cSld>
+  <p:clrMapOvr>
+    <a:masterClrMapping/>
+  </p:clrMapOvr>
+</p:notes>
+</file>
+
 <file path=ppt/slideLayouts/slideLayout1.xml><?xml version="1.0" encoding="utf-8"?>
 <p:sldLayout xmlns:a="http://schemas.openxmlformats.org/drawingml/2006/main" xmlns:r="http://schemas.openxmlformats.org/officeDocument/2006/relationships" xmlns:p="http://schemas.openxmlformats.org/presentationml/2006/main" type="title" preserve="1">
   <p:cSld name="Title Slide">
@@ -680,7 +765,7 @@
           <a:p>
             <a:fld id="{81013BFD-BA45-744E-A206-4A93E31DB39C}" type="datetimeFigureOut">
               <a:rPr lang="en-US" smtClean="0"/>
-              <a:t>6/26/24</a:t>
+              <a:t>8/12/24</a:t>
             </a:fld>
             <a:endParaRPr lang="en-US"/>
           </a:p>
@@ -850,7 +935,7 @@
           <a:p>
             <a:fld id="{81013BFD-BA45-744E-A206-4A93E31DB39C}" type="datetimeFigureOut">
               <a:rPr lang="en-US" smtClean="0"/>
-              <a:t>6/26/24</a:t>
+              <a:t>8/12/24</a:t>
             </a:fld>
             <a:endParaRPr lang="en-US"/>
           </a:p>
@@ -1030,7 +1115,7 @@
           <a:p>
             <a:fld id="{81013BFD-BA45-744E-A206-4A93E31DB39C}" type="datetimeFigureOut">
               <a:rPr lang="en-US" smtClean="0"/>
-              <a:t>6/26/24</a:t>
+              <a:t>8/12/24</a:t>
             </a:fld>
             <a:endParaRPr lang="en-US"/>
           </a:p>
@@ -1200,7 +1285,7 @@
           <a:p>
             <a:fld id="{81013BFD-BA45-744E-A206-4A93E31DB39C}" type="datetimeFigureOut">
               <a:rPr lang="en-US" smtClean="0"/>
-              <a:t>6/26/24</a:t>
+              <a:t>8/12/24</a:t>
             </a:fld>
             <a:endParaRPr lang="en-US"/>
           </a:p>
@@ -1446,7 +1531,7 @@
           <a:p>
             <a:fld id="{81013BFD-BA45-744E-A206-4A93E31DB39C}" type="datetimeFigureOut">
               <a:rPr lang="en-US" smtClean="0"/>
-              <a:t>6/26/24</a:t>
+              <a:t>8/12/24</a:t>
             </a:fld>
             <a:endParaRPr lang="en-US"/>
           </a:p>
@@ -1678,7 +1763,7 @@
           <a:p>
             <a:fld id="{81013BFD-BA45-744E-A206-4A93E31DB39C}" type="datetimeFigureOut">
               <a:rPr lang="en-US" smtClean="0"/>
-              <a:t>6/26/24</a:t>
+              <a:t>8/12/24</a:t>
             </a:fld>
             <a:endParaRPr lang="en-US"/>
           </a:p>
@@ -2045,7 +2130,7 @@
           <a:p>
             <a:fld id="{81013BFD-BA45-744E-A206-4A93E31DB39C}" type="datetimeFigureOut">
               <a:rPr lang="en-US" smtClean="0"/>
-              <a:t>6/26/24</a:t>
+              <a:t>8/12/24</a:t>
             </a:fld>
             <a:endParaRPr lang="en-US"/>
           </a:p>
@@ -2163,7 +2248,7 @@
           <a:p>
             <a:fld id="{81013BFD-BA45-744E-A206-4A93E31DB39C}" type="datetimeFigureOut">
               <a:rPr lang="en-US" smtClean="0"/>
-              <a:t>6/26/24</a:t>
+              <a:t>8/12/24</a:t>
             </a:fld>
             <a:endParaRPr lang="en-US"/>
           </a:p>
@@ -2258,7 +2343,7 @@
           <a:p>
             <a:fld id="{81013BFD-BA45-744E-A206-4A93E31DB39C}" type="datetimeFigureOut">
               <a:rPr lang="en-US" smtClean="0"/>
-              <a:t>6/26/24</a:t>
+              <a:t>8/12/24</a:t>
             </a:fld>
             <a:endParaRPr lang="en-US"/>
           </a:p>
@@ -2535,7 +2620,7 @@
           <a:p>
             <a:fld id="{81013BFD-BA45-744E-A206-4A93E31DB39C}" type="datetimeFigureOut">
               <a:rPr lang="en-US" smtClean="0"/>
-              <a:t>6/26/24</a:t>
+              <a:t>8/12/24</a:t>
             </a:fld>
             <a:endParaRPr lang="en-US"/>
           </a:p>
@@ -2792,7 +2877,7 @@
           <a:p>
             <a:fld id="{81013BFD-BA45-744E-A206-4A93E31DB39C}" type="datetimeFigureOut">
               <a:rPr lang="en-US" smtClean="0"/>
-              <a:t>6/26/24</a:t>
+              <a:t>8/12/24</a:t>
             </a:fld>
             <a:endParaRPr lang="en-US"/>
           </a:p>
@@ -3005,7 +3090,7 @@
           <a:p>
             <a:fld id="{81013BFD-BA45-744E-A206-4A93E31DB39C}" type="datetimeFigureOut">
               <a:rPr lang="en-US" smtClean="0"/>
-              <a:t>6/26/24</a:t>
+              <a:t>8/12/24</a:t>
             </a:fld>
             <a:endParaRPr lang="en-US"/>
           </a:p>
@@ -3995,6 +4080,1967 @@
     <p:extLst>
       <p:ext uri="{BB962C8B-B14F-4D97-AF65-F5344CB8AC3E}">
         <p14:creationId xmlns:p14="http://schemas.microsoft.com/office/powerpoint/2010/main" val="2553705607"/>
+      </p:ext>
+    </p:extLst>
+  </p:cSld>
+  <p:clrMapOvr>
+    <a:masterClrMapping/>
+  </p:clrMapOvr>
+</p:sld>
+</file>
+
+<file path=ppt/slides/slide2.xml><?xml version="1.0" encoding="utf-8"?>
+<p:sld xmlns:a="http://schemas.openxmlformats.org/drawingml/2006/main" xmlns:r="http://schemas.openxmlformats.org/officeDocument/2006/relationships" xmlns:p="http://schemas.openxmlformats.org/presentationml/2006/main">
+  <p:cSld>
+    <p:spTree>
+      <p:nvGrpSpPr>
+        <p:cNvPr id="1" name=""/>
+        <p:cNvGrpSpPr/>
+        <p:nvPr/>
+      </p:nvGrpSpPr>
+      <p:grpSpPr>
+        <a:xfrm>
+          <a:off x="0" y="0"/>
+          <a:ext cx="0" cy="0"/>
+          <a:chOff x="0" y="0"/>
+          <a:chExt cx="0" cy="0"/>
+        </a:xfrm>
+      </p:grpSpPr>
+      <p:pic>
+        <p:nvPicPr>
+          <p:cNvPr id="5" name="Picture 4">
+            <a:extLst>
+              <a:ext uri="{FF2B5EF4-FFF2-40B4-BE49-F238E27FC236}">
+                <a16:creationId xmlns:a16="http://schemas.microsoft.com/office/drawing/2014/main" id="{2FE1E7D3-2ABB-731B-6538-9FA7199E68CF}"/>
+              </a:ext>
+            </a:extLst>
+          </p:cNvPr>
+          <p:cNvPicPr>
+            <a:picLocks noChangeAspect="1"/>
+          </p:cNvPicPr>
+          <p:nvPr/>
+        </p:nvPicPr>
+        <p:blipFill rotWithShape="1">
+          <a:blip r:embed="rId3"/>
+          <a:srcRect t="11893"/>
+          <a:stretch/>
+        </p:blipFill>
+        <p:spPr>
+          <a:xfrm>
+            <a:off x="4471525" y="1774209"/>
+            <a:ext cx="2816797" cy="3722679"/>
+          </a:xfrm>
+          <a:prstGeom prst="rect">
+            <a:avLst/>
+          </a:prstGeom>
+        </p:spPr>
+      </p:pic>
+      <p:grpSp>
+        <p:nvGrpSpPr>
+          <p:cNvPr id="30" name="Group 29">
+            <a:extLst>
+              <a:ext uri="{FF2B5EF4-FFF2-40B4-BE49-F238E27FC236}">
+                <a16:creationId xmlns:a16="http://schemas.microsoft.com/office/drawing/2014/main" id="{94BAF7C6-626B-248E-BD46-9135513EE7D2}"/>
+              </a:ext>
+            </a:extLst>
+          </p:cNvPr>
+          <p:cNvGrpSpPr/>
+          <p:nvPr/>
+        </p:nvGrpSpPr>
+        <p:grpSpPr>
+          <a:xfrm>
+            <a:off x="7388795" y="2552673"/>
+            <a:ext cx="1228492" cy="578260"/>
+            <a:chOff x="1637414" y="3136606"/>
+            <a:chExt cx="1500691" cy="927689"/>
+          </a:xfrm>
+        </p:grpSpPr>
+        <p:cxnSp>
+          <p:nvCxnSpPr>
+            <p:cNvPr id="7" name="Straight Connector 6">
+              <a:extLst>
+                <a:ext uri="{FF2B5EF4-FFF2-40B4-BE49-F238E27FC236}">
+                  <a16:creationId xmlns:a16="http://schemas.microsoft.com/office/drawing/2014/main" id="{71BC8F58-70AE-C5A2-66F4-A7238AE086E5}"/>
+                </a:ext>
+              </a:extLst>
+            </p:cNvPr>
+            <p:cNvCxnSpPr/>
+            <p:nvPr/>
+          </p:nvCxnSpPr>
+          <p:spPr>
+            <a:xfrm>
+              <a:off x="1637414" y="3524694"/>
+              <a:ext cx="446567" cy="0"/>
+            </a:xfrm>
+            <a:prstGeom prst="line">
+              <a:avLst/>
+            </a:prstGeom>
+            <a:ln w="38100">
+              <a:solidFill>
+                <a:srgbClr val="FF0000"/>
+              </a:solidFill>
+            </a:ln>
+          </p:spPr>
+          <p:style>
+            <a:lnRef idx="2">
+              <a:schemeClr val="accent1"/>
+            </a:lnRef>
+            <a:fillRef idx="0">
+              <a:schemeClr val="accent1"/>
+            </a:fillRef>
+            <a:effectRef idx="1">
+              <a:schemeClr val="accent1"/>
+            </a:effectRef>
+            <a:fontRef idx="minor">
+              <a:schemeClr val="tx1"/>
+            </a:fontRef>
+          </p:style>
+        </p:cxnSp>
+        <p:cxnSp>
+          <p:nvCxnSpPr>
+            <p:cNvPr id="8" name="Straight Connector 7">
+              <a:extLst>
+                <a:ext uri="{FF2B5EF4-FFF2-40B4-BE49-F238E27FC236}">
+                  <a16:creationId xmlns:a16="http://schemas.microsoft.com/office/drawing/2014/main" id="{3F6439F9-9BBD-0987-2957-F3A6F616DDA9}"/>
+                </a:ext>
+              </a:extLst>
+            </p:cNvPr>
+            <p:cNvCxnSpPr/>
+            <p:nvPr/>
+          </p:nvCxnSpPr>
+          <p:spPr>
+            <a:xfrm>
+              <a:off x="2091066" y="3294322"/>
+              <a:ext cx="446567" cy="0"/>
+            </a:xfrm>
+            <a:prstGeom prst="line">
+              <a:avLst/>
+            </a:prstGeom>
+            <a:ln w="38100">
+              <a:solidFill>
+                <a:srgbClr val="FF0000"/>
+              </a:solidFill>
+            </a:ln>
+          </p:spPr>
+          <p:style>
+            <a:lnRef idx="2">
+              <a:schemeClr val="accent1"/>
+            </a:lnRef>
+            <a:fillRef idx="0">
+              <a:schemeClr val="accent1"/>
+            </a:fillRef>
+            <a:effectRef idx="1">
+              <a:schemeClr val="accent1"/>
+            </a:effectRef>
+            <a:fontRef idx="minor">
+              <a:schemeClr val="tx1"/>
+            </a:fontRef>
+          </p:style>
+        </p:cxnSp>
+        <p:cxnSp>
+          <p:nvCxnSpPr>
+            <p:cNvPr id="10" name="Straight Connector 9">
+              <a:extLst>
+                <a:ext uri="{FF2B5EF4-FFF2-40B4-BE49-F238E27FC236}">
+                  <a16:creationId xmlns:a16="http://schemas.microsoft.com/office/drawing/2014/main" id="{62475FC1-C379-F119-E9EE-50F1A1CBC2EF}"/>
+                </a:ext>
+              </a:extLst>
+            </p:cNvPr>
+            <p:cNvCxnSpPr>
+              <a:cxnSpLocks/>
+            </p:cNvCxnSpPr>
+            <p:nvPr/>
+          </p:nvCxnSpPr>
+          <p:spPr>
+            <a:xfrm>
+              <a:off x="2083981" y="3777211"/>
+              <a:ext cx="248094" cy="0"/>
+            </a:xfrm>
+            <a:prstGeom prst="line">
+              <a:avLst/>
+            </a:prstGeom>
+            <a:ln w="38100">
+              <a:solidFill>
+                <a:srgbClr val="FF0000"/>
+              </a:solidFill>
+            </a:ln>
+          </p:spPr>
+          <p:style>
+            <a:lnRef idx="2">
+              <a:schemeClr val="accent1"/>
+            </a:lnRef>
+            <a:fillRef idx="0">
+              <a:schemeClr val="accent1"/>
+            </a:fillRef>
+            <a:effectRef idx="1">
+              <a:schemeClr val="accent1"/>
+            </a:effectRef>
+            <a:fontRef idx="minor">
+              <a:schemeClr val="tx1"/>
+            </a:fontRef>
+          </p:style>
+        </p:cxnSp>
+        <p:cxnSp>
+          <p:nvCxnSpPr>
+            <p:cNvPr id="12" name="Straight Connector 11">
+              <a:extLst>
+                <a:ext uri="{FF2B5EF4-FFF2-40B4-BE49-F238E27FC236}">
+                  <a16:creationId xmlns:a16="http://schemas.microsoft.com/office/drawing/2014/main" id="{62E8C0F1-C31D-DD2E-B0EB-2C77780B3E0A}"/>
+                </a:ext>
+              </a:extLst>
+            </p:cNvPr>
+            <p:cNvCxnSpPr>
+              <a:cxnSpLocks/>
+            </p:cNvCxnSpPr>
+            <p:nvPr/>
+          </p:nvCxnSpPr>
+          <p:spPr>
+            <a:xfrm>
+              <a:off x="2346249" y="3900378"/>
+              <a:ext cx="791856" cy="0"/>
+            </a:xfrm>
+            <a:prstGeom prst="line">
+              <a:avLst/>
+            </a:prstGeom>
+            <a:ln w="38100">
+              <a:solidFill>
+                <a:srgbClr val="FF0000"/>
+              </a:solidFill>
+            </a:ln>
+          </p:spPr>
+          <p:style>
+            <a:lnRef idx="2">
+              <a:schemeClr val="accent1"/>
+            </a:lnRef>
+            <a:fillRef idx="0">
+              <a:schemeClr val="accent1"/>
+            </a:fillRef>
+            <a:effectRef idx="1">
+              <a:schemeClr val="accent1"/>
+            </a:effectRef>
+            <a:fontRef idx="minor">
+              <a:schemeClr val="tx1"/>
+            </a:fontRef>
+          </p:style>
+        </p:cxnSp>
+        <p:cxnSp>
+          <p:nvCxnSpPr>
+            <p:cNvPr id="13" name="Straight Connector 12">
+              <a:extLst>
+                <a:ext uri="{FF2B5EF4-FFF2-40B4-BE49-F238E27FC236}">
+                  <a16:creationId xmlns:a16="http://schemas.microsoft.com/office/drawing/2014/main" id="{2D315418-026E-7B9D-E88D-A01046A0B98C}"/>
+                </a:ext>
+              </a:extLst>
+            </p:cNvPr>
+            <p:cNvCxnSpPr>
+              <a:cxnSpLocks/>
+            </p:cNvCxnSpPr>
+            <p:nvPr/>
+          </p:nvCxnSpPr>
+          <p:spPr>
+            <a:xfrm>
+              <a:off x="2652381" y="3753886"/>
+              <a:ext cx="248094" cy="0"/>
+            </a:xfrm>
+            <a:prstGeom prst="line">
+              <a:avLst/>
+            </a:prstGeom>
+            <a:ln w="38100">
+              <a:solidFill>
+                <a:srgbClr val="FF0000"/>
+              </a:solidFill>
+            </a:ln>
+          </p:spPr>
+          <p:style>
+            <a:lnRef idx="2">
+              <a:schemeClr val="accent1"/>
+            </a:lnRef>
+            <a:fillRef idx="0">
+              <a:schemeClr val="accent1"/>
+            </a:fillRef>
+            <a:effectRef idx="1">
+              <a:schemeClr val="accent1"/>
+            </a:effectRef>
+            <a:fontRef idx="minor">
+              <a:schemeClr val="tx1"/>
+            </a:fontRef>
+          </p:style>
+        </p:cxnSp>
+        <p:cxnSp>
+          <p:nvCxnSpPr>
+            <p:cNvPr id="14" name="Straight Connector 13">
+              <a:extLst>
+                <a:ext uri="{FF2B5EF4-FFF2-40B4-BE49-F238E27FC236}">
+                  <a16:creationId xmlns:a16="http://schemas.microsoft.com/office/drawing/2014/main" id="{8259C67A-ABFE-FF9F-25A4-D551CF11697D}"/>
+                </a:ext>
+              </a:extLst>
+            </p:cNvPr>
+            <p:cNvCxnSpPr>
+              <a:cxnSpLocks/>
+            </p:cNvCxnSpPr>
+            <p:nvPr/>
+          </p:nvCxnSpPr>
+          <p:spPr>
+            <a:xfrm>
+              <a:off x="2654593" y="4064295"/>
+              <a:ext cx="248094" cy="0"/>
+            </a:xfrm>
+            <a:prstGeom prst="line">
+              <a:avLst/>
+            </a:prstGeom>
+            <a:ln w="38100">
+              <a:solidFill>
+                <a:srgbClr val="FF0000"/>
+              </a:solidFill>
+            </a:ln>
+          </p:spPr>
+          <p:style>
+            <a:lnRef idx="2">
+              <a:schemeClr val="accent1"/>
+            </a:lnRef>
+            <a:fillRef idx="0">
+              <a:schemeClr val="accent1"/>
+            </a:fillRef>
+            <a:effectRef idx="1">
+              <a:schemeClr val="accent1"/>
+            </a:effectRef>
+            <a:fontRef idx="minor">
+              <a:schemeClr val="tx1"/>
+            </a:fontRef>
+          </p:style>
+        </p:cxnSp>
+        <p:cxnSp>
+          <p:nvCxnSpPr>
+            <p:cNvPr id="15" name="Straight Connector 14">
+              <a:extLst>
+                <a:ext uri="{FF2B5EF4-FFF2-40B4-BE49-F238E27FC236}">
+                  <a16:creationId xmlns:a16="http://schemas.microsoft.com/office/drawing/2014/main" id="{5AC3747C-CC5C-BAFE-AF11-AA1BE9EC0DBE}"/>
+                </a:ext>
+              </a:extLst>
+            </p:cNvPr>
+            <p:cNvCxnSpPr>
+              <a:cxnSpLocks/>
+            </p:cNvCxnSpPr>
+            <p:nvPr/>
+          </p:nvCxnSpPr>
+          <p:spPr>
+            <a:xfrm>
+              <a:off x="2091067" y="3281915"/>
+              <a:ext cx="0" cy="475807"/>
+            </a:xfrm>
+            <a:prstGeom prst="line">
+              <a:avLst/>
+            </a:prstGeom>
+            <a:ln w="38100">
+              <a:solidFill>
+                <a:srgbClr val="FF0000"/>
+              </a:solidFill>
+            </a:ln>
+          </p:spPr>
+          <p:style>
+            <a:lnRef idx="2">
+              <a:schemeClr val="accent1"/>
+            </a:lnRef>
+            <a:fillRef idx="0">
+              <a:schemeClr val="accent1"/>
+            </a:fillRef>
+            <a:effectRef idx="1">
+              <a:schemeClr val="accent1"/>
+            </a:effectRef>
+            <a:fontRef idx="minor">
+              <a:schemeClr val="tx1"/>
+            </a:fontRef>
+          </p:style>
+        </p:cxnSp>
+        <p:cxnSp>
+          <p:nvCxnSpPr>
+            <p:cNvPr id="18" name="Straight Connector 17">
+              <a:extLst>
+                <a:ext uri="{FF2B5EF4-FFF2-40B4-BE49-F238E27FC236}">
+                  <a16:creationId xmlns:a16="http://schemas.microsoft.com/office/drawing/2014/main" id="{D4886E00-C599-CA64-79AF-4A4EDEA72842}"/>
+                </a:ext>
+              </a:extLst>
+            </p:cNvPr>
+            <p:cNvCxnSpPr>
+              <a:cxnSpLocks/>
+            </p:cNvCxnSpPr>
+            <p:nvPr/>
+          </p:nvCxnSpPr>
+          <p:spPr>
+            <a:xfrm>
+              <a:off x="2339157" y="3593805"/>
+              <a:ext cx="0" cy="306573"/>
+            </a:xfrm>
+            <a:prstGeom prst="line">
+              <a:avLst/>
+            </a:prstGeom>
+            <a:ln w="38100">
+              <a:solidFill>
+                <a:srgbClr val="FF0000"/>
+              </a:solidFill>
+            </a:ln>
+          </p:spPr>
+          <p:style>
+            <a:lnRef idx="2">
+              <a:schemeClr val="accent1"/>
+            </a:lnRef>
+            <a:fillRef idx="0">
+              <a:schemeClr val="accent1"/>
+            </a:fillRef>
+            <a:effectRef idx="1">
+              <a:schemeClr val="accent1"/>
+            </a:effectRef>
+            <a:fontRef idx="minor">
+              <a:schemeClr val="tx1"/>
+            </a:fontRef>
+          </p:style>
+        </p:cxnSp>
+        <p:cxnSp>
+          <p:nvCxnSpPr>
+            <p:cNvPr id="19" name="Straight Connector 18">
+              <a:extLst>
+                <a:ext uri="{FF2B5EF4-FFF2-40B4-BE49-F238E27FC236}">
+                  <a16:creationId xmlns:a16="http://schemas.microsoft.com/office/drawing/2014/main" id="{52018D2F-1134-D772-C27D-42B95F08961B}"/>
+                </a:ext>
+              </a:extLst>
+            </p:cNvPr>
+            <p:cNvCxnSpPr>
+              <a:cxnSpLocks/>
+            </p:cNvCxnSpPr>
+            <p:nvPr/>
+          </p:nvCxnSpPr>
+          <p:spPr>
+            <a:xfrm>
+              <a:off x="2332075" y="3593804"/>
+              <a:ext cx="134176" cy="0"/>
+            </a:xfrm>
+            <a:prstGeom prst="line">
+              <a:avLst/>
+            </a:prstGeom>
+            <a:ln w="38100">
+              <a:solidFill>
+                <a:srgbClr val="FF0000"/>
+              </a:solidFill>
+            </a:ln>
+          </p:spPr>
+          <p:style>
+            <a:lnRef idx="2">
+              <a:schemeClr val="accent1"/>
+            </a:lnRef>
+            <a:fillRef idx="0">
+              <a:schemeClr val="accent1"/>
+            </a:fillRef>
+            <a:effectRef idx="1">
+              <a:schemeClr val="accent1"/>
+            </a:effectRef>
+            <a:fontRef idx="minor">
+              <a:schemeClr val="tx1"/>
+            </a:fontRef>
+          </p:style>
+        </p:cxnSp>
+        <p:cxnSp>
+          <p:nvCxnSpPr>
+            <p:cNvPr id="20" name="Straight Connector 19">
+              <a:extLst>
+                <a:ext uri="{FF2B5EF4-FFF2-40B4-BE49-F238E27FC236}">
+                  <a16:creationId xmlns:a16="http://schemas.microsoft.com/office/drawing/2014/main" id="{48679759-C37D-D1C7-DF88-63E2A4271467}"/>
+                </a:ext>
+              </a:extLst>
+            </p:cNvPr>
+            <p:cNvCxnSpPr>
+              <a:cxnSpLocks/>
+            </p:cNvCxnSpPr>
+            <p:nvPr/>
+          </p:nvCxnSpPr>
+          <p:spPr>
+            <a:xfrm>
+              <a:off x="2654593" y="3757722"/>
+              <a:ext cx="0" cy="306573"/>
+            </a:xfrm>
+            <a:prstGeom prst="line">
+              <a:avLst/>
+            </a:prstGeom>
+            <a:ln w="38100">
+              <a:solidFill>
+                <a:srgbClr val="FF0000"/>
+              </a:solidFill>
+            </a:ln>
+          </p:spPr>
+          <p:style>
+            <a:lnRef idx="2">
+              <a:schemeClr val="accent1"/>
+            </a:lnRef>
+            <a:fillRef idx="0">
+              <a:schemeClr val="accent1"/>
+            </a:fillRef>
+            <a:effectRef idx="1">
+              <a:schemeClr val="accent1"/>
+            </a:effectRef>
+            <a:fontRef idx="minor">
+              <a:schemeClr val="tx1"/>
+            </a:fontRef>
+          </p:style>
+        </p:cxnSp>
+        <p:cxnSp>
+          <p:nvCxnSpPr>
+            <p:cNvPr id="24" name="Straight Connector 23">
+              <a:extLst>
+                <a:ext uri="{FF2B5EF4-FFF2-40B4-BE49-F238E27FC236}">
+                  <a16:creationId xmlns:a16="http://schemas.microsoft.com/office/drawing/2014/main" id="{13F0BFEA-13C9-F801-58F7-4214857B3239}"/>
+                </a:ext>
+              </a:extLst>
+            </p:cNvPr>
+            <p:cNvCxnSpPr>
+              <a:cxnSpLocks/>
+            </p:cNvCxnSpPr>
+            <p:nvPr/>
+          </p:nvCxnSpPr>
+          <p:spPr>
+            <a:xfrm>
+              <a:off x="2530546" y="3147238"/>
+              <a:ext cx="132669" cy="0"/>
+            </a:xfrm>
+            <a:prstGeom prst="line">
+              <a:avLst/>
+            </a:prstGeom>
+            <a:ln w="38100">
+              <a:solidFill>
+                <a:srgbClr val="FF0000"/>
+              </a:solidFill>
+            </a:ln>
+          </p:spPr>
+          <p:style>
+            <a:lnRef idx="2">
+              <a:schemeClr val="accent1"/>
+            </a:lnRef>
+            <a:fillRef idx="0">
+              <a:schemeClr val="accent1"/>
+            </a:fillRef>
+            <a:effectRef idx="1">
+              <a:schemeClr val="accent1"/>
+            </a:effectRef>
+            <a:fontRef idx="minor">
+              <a:schemeClr val="tx1"/>
+            </a:fontRef>
+          </p:style>
+        </p:cxnSp>
+        <p:cxnSp>
+          <p:nvCxnSpPr>
+            <p:cNvPr id="28" name="Straight Connector 27">
+              <a:extLst>
+                <a:ext uri="{FF2B5EF4-FFF2-40B4-BE49-F238E27FC236}">
+                  <a16:creationId xmlns:a16="http://schemas.microsoft.com/office/drawing/2014/main" id="{F7B53F5A-1799-CC87-04D5-D1AD8B4DAF0B}"/>
+                </a:ext>
+              </a:extLst>
+            </p:cNvPr>
+            <p:cNvCxnSpPr>
+              <a:cxnSpLocks/>
+            </p:cNvCxnSpPr>
+            <p:nvPr/>
+          </p:nvCxnSpPr>
+          <p:spPr>
+            <a:xfrm>
+              <a:off x="2534079" y="3136606"/>
+              <a:ext cx="0" cy="306573"/>
+            </a:xfrm>
+            <a:prstGeom prst="line">
+              <a:avLst/>
+            </a:prstGeom>
+            <a:ln w="38100">
+              <a:solidFill>
+                <a:srgbClr val="FF0000"/>
+              </a:solidFill>
+            </a:ln>
+          </p:spPr>
+          <p:style>
+            <a:lnRef idx="2">
+              <a:schemeClr val="accent1"/>
+            </a:lnRef>
+            <a:fillRef idx="0">
+              <a:schemeClr val="accent1"/>
+            </a:fillRef>
+            <a:effectRef idx="1">
+              <a:schemeClr val="accent1"/>
+            </a:effectRef>
+            <a:fontRef idx="minor">
+              <a:schemeClr val="tx1"/>
+            </a:fontRef>
+          </p:style>
+        </p:cxnSp>
+        <p:cxnSp>
+          <p:nvCxnSpPr>
+            <p:cNvPr id="29" name="Straight Connector 28">
+              <a:extLst>
+                <a:ext uri="{FF2B5EF4-FFF2-40B4-BE49-F238E27FC236}">
+                  <a16:creationId xmlns:a16="http://schemas.microsoft.com/office/drawing/2014/main" id="{FE9CE365-D3C0-D119-C056-84EFDC04BAE6}"/>
+                </a:ext>
+              </a:extLst>
+            </p:cNvPr>
+            <p:cNvCxnSpPr>
+              <a:cxnSpLocks/>
+            </p:cNvCxnSpPr>
+            <p:nvPr/>
+          </p:nvCxnSpPr>
+          <p:spPr>
+            <a:xfrm>
+              <a:off x="2536529" y="3429000"/>
+              <a:ext cx="126685" cy="0"/>
+            </a:xfrm>
+            <a:prstGeom prst="line">
+              <a:avLst/>
+            </a:prstGeom>
+            <a:ln w="38100">
+              <a:solidFill>
+                <a:srgbClr val="FF0000"/>
+              </a:solidFill>
+            </a:ln>
+          </p:spPr>
+          <p:style>
+            <a:lnRef idx="2">
+              <a:schemeClr val="accent1"/>
+            </a:lnRef>
+            <a:fillRef idx="0">
+              <a:schemeClr val="accent1"/>
+            </a:fillRef>
+            <a:effectRef idx="1">
+              <a:schemeClr val="accent1"/>
+            </a:effectRef>
+            <a:fontRef idx="minor">
+              <a:schemeClr val="tx1"/>
+            </a:fontRef>
+          </p:style>
+        </p:cxnSp>
+      </p:grpSp>
+      <p:grpSp>
+        <p:nvGrpSpPr>
+          <p:cNvPr id="31" name="Group 30">
+            <a:extLst>
+              <a:ext uri="{FF2B5EF4-FFF2-40B4-BE49-F238E27FC236}">
+                <a16:creationId xmlns:a16="http://schemas.microsoft.com/office/drawing/2014/main" id="{2EA902F6-B52A-C160-E5C7-41842F4DB72D}"/>
+              </a:ext>
+            </a:extLst>
+          </p:cNvPr>
+          <p:cNvGrpSpPr/>
+          <p:nvPr/>
+        </p:nvGrpSpPr>
+        <p:grpSpPr>
+          <a:xfrm flipV="1">
+            <a:off x="7751031" y="3184393"/>
+            <a:ext cx="1520277" cy="563347"/>
+            <a:chOff x="1637414" y="3136606"/>
+            <a:chExt cx="1265273" cy="927689"/>
+          </a:xfrm>
+        </p:grpSpPr>
+        <p:cxnSp>
+          <p:nvCxnSpPr>
+            <p:cNvPr id="32" name="Straight Connector 31">
+              <a:extLst>
+                <a:ext uri="{FF2B5EF4-FFF2-40B4-BE49-F238E27FC236}">
+                  <a16:creationId xmlns:a16="http://schemas.microsoft.com/office/drawing/2014/main" id="{62D5D5D6-3518-24A1-7CCC-2F83406F9FAA}"/>
+                </a:ext>
+              </a:extLst>
+            </p:cNvPr>
+            <p:cNvCxnSpPr/>
+            <p:nvPr/>
+          </p:nvCxnSpPr>
+          <p:spPr>
+            <a:xfrm>
+              <a:off x="1637414" y="3524694"/>
+              <a:ext cx="446567" cy="0"/>
+            </a:xfrm>
+            <a:prstGeom prst="line">
+              <a:avLst/>
+            </a:prstGeom>
+            <a:ln w="38100">
+              <a:solidFill>
+                <a:schemeClr val="tx2">
+                  <a:lumMod val="50000"/>
+                  <a:lumOff val="50000"/>
+                </a:schemeClr>
+              </a:solidFill>
+            </a:ln>
+          </p:spPr>
+          <p:style>
+            <a:lnRef idx="2">
+              <a:schemeClr val="accent1"/>
+            </a:lnRef>
+            <a:fillRef idx="0">
+              <a:schemeClr val="accent1"/>
+            </a:fillRef>
+            <a:effectRef idx="1">
+              <a:schemeClr val="accent1"/>
+            </a:effectRef>
+            <a:fontRef idx="minor">
+              <a:schemeClr val="tx1"/>
+            </a:fontRef>
+          </p:style>
+        </p:cxnSp>
+        <p:cxnSp>
+          <p:nvCxnSpPr>
+            <p:cNvPr id="33" name="Straight Connector 32">
+              <a:extLst>
+                <a:ext uri="{FF2B5EF4-FFF2-40B4-BE49-F238E27FC236}">
+                  <a16:creationId xmlns:a16="http://schemas.microsoft.com/office/drawing/2014/main" id="{64AD88A4-B4E0-B85D-7006-F607825F1023}"/>
+                </a:ext>
+              </a:extLst>
+            </p:cNvPr>
+            <p:cNvCxnSpPr/>
+            <p:nvPr/>
+          </p:nvCxnSpPr>
+          <p:spPr>
+            <a:xfrm>
+              <a:off x="2091066" y="3294322"/>
+              <a:ext cx="446567" cy="0"/>
+            </a:xfrm>
+            <a:prstGeom prst="line">
+              <a:avLst/>
+            </a:prstGeom>
+            <a:ln w="38100">
+              <a:solidFill>
+                <a:schemeClr val="tx2">
+                  <a:lumMod val="50000"/>
+                  <a:lumOff val="50000"/>
+                </a:schemeClr>
+              </a:solidFill>
+            </a:ln>
+          </p:spPr>
+          <p:style>
+            <a:lnRef idx="2">
+              <a:schemeClr val="accent1"/>
+            </a:lnRef>
+            <a:fillRef idx="0">
+              <a:schemeClr val="accent1"/>
+            </a:fillRef>
+            <a:effectRef idx="1">
+              <a:schemeClr val="accent1"/>
+            </a:effectRef>
+            <a:fontRef idx="minor">
+              <a:schemeClr val="tx1"/>
+            </a:fontRef>
+          </p:style>
+        </p:cxnSp>
+        <p:cxnSp>
+          <p:nvCxnSpPr>
+            <p:cNvPr id="34" name="Straight Connector 33">
+              <a:extLst>
+                <a:ext uri="{FF2B5EF4-FFF2-40B4-BE49-F238E27FC236}">
+                  <a16:creationId xmlns:a16="http://schemas.microsoft.com/office/drawing/2014/main" id="{94091E93-09FE-2362-AD85-27711445DB58}"/>
+                </a:ext>
+              </a:extLst>
+            </p:cNvPr>
+            <p:cNvCxnSpPr>
+              <a:cxnSpLocks/>
+            </p:cNvCxnSpPr>
+            <p:nvPr/>
+          </p:nvCxnSpPr>
+          <p:spPr>
+            <a:xfrm>
+              <a:off x="2083981" y="3777211"/>
+              <a:ext cx="248094" cy="0"/>
+            </a:xfrm>
+            <a:prstGeom prst="line">
+              <a:avLst/>
+            </a:prstGeom>
+            <a:ln w="38100">
+              <a:solidFill>
+                <a:schemeClr val="tx2">
+                  <a:lumMod val="50000"/>
+                  <a:lumOff val="50000"/>
+                </a:schemeClr>
+              </a:solidFill>
+            </a:ln>
+          </p:spPr>
+          <p:style>
+            <a:lnRef idx="2">
+              <a:schemeClr val="accent1"/>
+            </a:lnRef>
+            <a:fillRef idx="0">
+              <a:schemeClr val="accent1"/>
+            </a:fillRef>
+            <a:effectRef idx="1">
+              <a:schemeClr val="accent1"/>
+            </a:effectRef>
+            <a:fontRef idx="minor">
+              <a:schemeClr val="tx1"/>
+            </a:fontRef>
+          </p:style>
+        </p:cxnSp>
+        <p:cxnSp>
+          <p:nvCxnSpPr>
+            <p:cNvPr id="35" name="Straight Connector 34">
+              <a:extLst>
+                <a:ext uri="{FF2B5EF4-FFF2-40B4-BE49-F238E27FC236}">
+                  <a16:creationId xmlns:a16="http://schemas.microsoft.com/office/drawing/2014/main" id="{6DBF5BAC-9104-B3CE-9F55-63FEDEE32A86}"/>
+                </a:ext>
+              </a:extLst>
+            </p:cNvPr>
+            <p:cNvCxnSpPr/>
+            <p:nvPr/>
+          </p:nvCxnSpPr>
+          <p:spPr>
+            <a:xfrm>
+              <a:off x="2346249" y="3900378"/>
+              <a:ext cx="446567" cy="0"/>
+            </a:xfrm>
+            <a:prstGeom prst="line">
+              <a:avLst/>
+            </a:prstGeom>
+            <a:ln w="38100">
+              <a:solidFill>
+                <a:schemeClr val="tx2">
+                  <a:lumMod val="50000"/>
+                  <a:lumOff val="50000"/>
+                </a:schemeClr>
+              </a:solidFill>
+            </a:ln>
+          </p:spPr>
+          <p:style>
+            <a:lnRef idx="2">
+              <a:schemeClr val="accent1"/>
+            </a:lnRef>
+            <a:fillRef idx="0">
+              <a:schemeClr val="accent1"/>
+            </a:fillRef>
+            <a:effectRef idx="1">
+              <a:schemeClr val="accent1"/>
+            </a:effectRef>
+            <a:fontRef idx="minor">
+              <a:schemeClr val="tx1"/>
+            </a:fontRef>
+          </p:style>
+        </p:cxnSp>
+        <p:cxnSp>
+          <p:nvCxnSpPr>
+            <p:cNvPr id="36" name="Straight Connector 35">
+              <a:extLst>
+                <a:ext uri="{FF2B5EF4-FFF2-40B4-BE49-F238E27FC236}">
+                  <a16:creationId xmlns:a16="http://schemas.microsoft.com/office/drawing/2014/main" id="{BC997B8B-1D72-75A8-A3AE-0E831C4EE8FF}"/>
+                </a:ext>
+              </a:extLst>
+            </p:cNvPr>
+            <p:cNvCxnSpPr>
+              <a:cxnSpLocks/>
+            </p:cNvCxnSpPr>
+            <p:nvPr/>
+          </p:nvCxnSpPr>
+          <p:spPr>
+            <a:xfrm>
+              <a:off x="2651639" y="3731562"/>
+              <a:ext cx="248094" cy="0"/>
+            </a:xfrm>
+            <a:prstGeom prst="line">
+              <a:avLst/>
+            </a:prstGeom>
+            <a:ln w="38100">
+              <a:solidFill>
+                <a:schemeClr val="tx2">
+                  <a:lumMod val="50000"/>
+                  <a:lumOff val="50000"/>
+                </a:schemeClr>
+              </a:solidFill>
+            </a:ln>
+          </p:spPr>
+          <p:style>
+            <a:lnRef idx="2">
+              <a:schemeClr val="accent1"/>
+            </a:lnRef>
+            <a:fillRef idx="0">
+              <a:schemeClr val="accent1"/>
+            </a:fillRef>
+            <a:effectRef idx="1">
+              <a:schemeClr val="accent1"/>
+            </a:effectRef>
+            <a:fontRef idx="minor">
+              <a:schemeClr val="tx1"/>
+            </a:fontRef>
+          </p:style>
+        </p:cxnSp>
+        <p:cxnSp>
+          <p:nvCxnSpPr>
+            <p:cNvPr id="37" name="Straight Connector 36">
+              <a:extLst>
+                <a:ext uri="{FF2B5EF4-FFF2-40B4-BE49-F238E27FC236}">
+                  <a16:creationId xmlns:a16="http://schemas.microsoft.com/office/drawing/2014/main" id="{7B94B004-E77B-8343-68B1-62EFBAB70D56}"/>
+                </a:ext>
+              </a:extLst>
+            </p:cNvPr>
+            <p:cNvCxnSpPr>
+              <a:cxnSpLocks/>
+            </p:cNvCxnSpPr>
+            <p:nvPr/>
+          </p:nvCxnSpPr>
+          <p:spPr>
+            <a:xfrm>
+              <a:off x="2654593" y="4064295"/>
+              <a:ext cx="248094" cy="0"/>
+            </a:xfrm>
+            <a:prstGeom prst="line">
+              <a:avLst/>
+            </a:prstGeom>
+            <a:ln w="38100">
+              <a:solidFill>
+                <a:schemeClr val="tx2">
+                  <a:lumMod val="50000"/>
+                  <a:lumOff val="50000"/>
+                </a:schemeClr>
+              </a:solidFill>
+            </a:ln>
+          </p:spPr>
+          <p:style>
+            <a:lnRef idx="2">
+              <a:schemeClr val="accent1"/>
+            </a:lnRef>
+            <a:fillRef idx="0">
+              <a:schemeClr val="accent1"/>
+            </a:fillRef>
+            <a:effectRef idx="1">
+              <a:schemeClr val="accent1"/>
+            </a:effectRef>
+            <a:fontRef idx="minor">
+              <a:schemeClr val="tx1"/>
+            </a:fontRef>
+          </p:style>
+        </p:cxnSp>
+        <p:cxnSp>
+          <p:nvCxnSpPr>
+            <p:cNvPr id="38" name="Straight Connector 37">
+              <a:extLst>
+                <a:ext uri="{FF2B5EF4-FFF2-40B4-BE49-F238E27FC236}">
+                  <a16:creationId xmlns:a16="http://schemas.microsoft.com/office/drawing/2014/main" id="{E1B0E037-A706-79C1-8897-8653EE3EFDF9}"/>
+                </a:ext>
+              </a:extLst>
+            </p:cNvPr>
+            <p:cNvCxnSpPr>
+              <a:cxnSpLocks/>
+            </p:cNvCxnSpPr>
+            <p:nvPr/>
+          </p:nvCxnSpPr>
+          <p:spPr>
+            <a:xfrm>
+              <a:off x="2091067" y="3281915"/>
+              <a:ext cx="0" cy="475807"/>
+            </a:xfrm>
+            <a:prstGeom prst="line">
+              <a:avLst/>
+            </a:prstGeom>
+            <a:ln w="38100">
+              <a:solidFill>
+                <a:schemeClr val="tx2">
+                  <a:lumMod val="50000"/>
+                  <a:lumOff val="50000"/>
+                </a:schemeClr>
+              </a:solidFill>
+            </a:ln>
+          </p:spPr>
+          <p:style>
+            <a:lnRef idx="2">
+              <a:schemeClr val="accent1"/>
+            </a:lnRef>
+            <a:fillRef idx="0">
+              <a:schemeClr val="accent1"/>
+            </a:fillRef>
+            <a:effectRef idx="1">
+              <a:schemeClr val="accent1"/>
+            </a:effectRef>
+            <a:fontRef idx="minor">
+              <a:schemeClr val="tx1"/>
+            </a:fontRef>
+          </p:style>
+        </p:cxnSp>
+        <p:cxnSp>
+          <p:nvCxnSpPr>
+            <p:cNvPr id="39" name="Straight Connector 38">
+              <a:extLst>
+                <a:ext uri="{FF2B5EF4-FFF2-40B4-BE49-F238E27FC236}">
+                  <a16:creationId xmlns:a16="http://schemas.microsoft.com/office/drawing/2014/main" id="{E7B7902B-3821-5180-D2CD-3C5211A99870}"/>
+                </a:ext>
+              </a:extLst>
+            </p:cNvPr>
+            <p:cNvCxnSpPr>
+              <a:cxnSpLocks/>
+            </p:cNvCxnSpPr>
+            <p:nvPr/>
+          </p:nvCxnSpPr>
+          <p:spPr>
+            <a:xfrm>
+              <a:off x="2339157" y="3593805"/>
+              <a:ext cx="0" cy="306573"/>
+            </a:xfrm>
+            <a:prstGeom prst="line">
+              <a:avLst/>
+            </a:prstGeom>
+            <a:ln w="38100">
+              <a:solidFill>
+                <a:schemeClr val="tx2">
+                  <a:lumMod val="50000"/>
+                  <a:lumOff val="50000"/>
+                </a:schemeClr>
+              </a:solidFill>
+            </a:ln>
+          </p:spPr>
+          <p:style>
+            <a:lnRef idx="2">
+              <a:schemeClr val="accent1"/>
+            </a:lnRef>
+            <a:fillRef idx="0">
+              <a:schemeClr val="accent1"/>
+            </a:fillRef>
+            <a:effectRef idx="1">
+              <a:schemeClr val="accent1"/>
+            </a:effectRef>
+            <a:fontRef idx="minor">
+              <a:schemeClr val="tx1"/>
+            </a:fontRef>
+          </p:style>
+        </p:cxnSp>
+        <p:cxnSp>
+          <p:nvCxnSpPr>
+            <p:cNvPr id="40" name="Straight Connector 39">
+              <a:extLst>
+                <a:ext uri="{FF2B5EF4-FFF2-40B4-BE49-F238E27FC236}">
+                  <a16:creationId xmlns:a16="http://schemas.microsoft.com/office/drawing/2014/main" id="{5EDF4249-D03E-99E4-A2A0-09BD2781C972}"/>
+                </a:ext>
+              </a:extLst>
+            </p:cNvPr>
+            <p:cNvCxnSpPr>
+              <a:cxnSpLocks/>
+            </p:cNvCxnSpPr>
+            <p:nvPr/>
+          </p:nvCxnSpPr>
+          <p:spPr>
+            <a:xfrm>
+              <a:off x="2332075" y="3593805"/>
+              <a:ext cx="248094" cy="0"/>
+            </a:xfrm>
+            <a:prstGeom prst="line">
+              <a:avLst/>
+            </a:prstGeom>
+            <a:ln w="38100">
+              <a:solidFill>
+                <a:schemeClr val="tx2">
+                  <a:lumMod val="50000"/>
+                  <a:lumOff val="50000"/>
+                </a:schemeClr>
+              </a:solidFill>
+            </a:ln>
+          </p:spPr>
+          <p:style>
+            <a:lnRef idx="2">
+              <a:schemeClr val="accent1"/>
+            </a:lnRef>
+            <a:fillRef idx="0">
+              <a:schemeClr val="accent1"/>
+            </a:fillRef>
+            <a:effectRef idx="1">
+              <a:schemeClr val="accent1"/>
+            </a:effectRef>
+            <a:fontRef idx="minor">
+              <a:schemeClr val="tx1"/>
+            </a:fontRef>
+          </p:style>
+        </p:cxnSp>
+        <p:cxnSp>
+          <p:nvCxnSpPr>
+            <p:cNvPr id="41" name="Straight Connector 40">
+              <a:extLst>
+                <a:ext uri="{FF2B5EF4-FFF2-40B4-BE49-F238E27FC236}">
+                  <a16:creationId xmlns:a16="http://schemas.microsoft.com/office/drawing/2014/main" id="{22E2F22A-1740-8300-0C03-4299F12A8CCD}"/>
+                </a:ext>
+              </a:extLst>
+            </p:cNvPr>
+            <p:cNvCxnSpPr>
+              <a:cxnSpLocks/>
+            </p:cNvCxnSpPr>
+            <p:nvPr/>
+          </p:nvCxnSpPr>
+          <p:spPr>
+            <a:xfrm>
+              <a:off x="2654593" y="3757722"/>
+              <a:ext cx="0" cy="306573"/>
+            </a:xfrm>
+            <a:prstGeom prst="line">
+              <a:avLst/>
+            </a:prstGeom>
+            <a:ln w="38100">
+              <a:solidFill>
+                <a:schemeClr val="tx2">
+                  <a:lumMod val="50000"/>
+                  <a:lumOff val="50000"/>
+                </a:schemeClr>
+              </a:solidFill>
+            </a:ln>
+          </p:spPr>
+          <p:style>
+            <a:lnRef idx="2">
+              <a:schemeClr val="accent1"/>
+            </a:lnRef>
+            <a:fillRef idx="0">
+              <a:schemeClr val="accent1"/>
+            </a:fillRef>
+            <a:effectRef idx="1">
+              <a:schemeClr val="accent1"/>
+            </a:effectRef>
+            <a:fontRef idx="minor">
+              <a:schemeClr val="tx1"/>
+            </a:fontRef>
+          </p:style>
+        </p:cxnSp>
+        <p:cxnSp>
+          <p:nvCxnSpPr>
+            <p:cNvPr id="42" name="Straight Connector 41">
+              <a:extLst>
+                <a:ext uri="{FF2B5EF4-FFF2-40B4-BE49-F238E27FC236}">
+                  <a16:creationId xmlns:a16="http://schemas.microsoft.com/office/drawing/2014/main" id="{5FCAFFB9-03D4-3D5E-BAED-BF74CB06D418}"/>
+                </a:ext>
+              </a:extLst>
+            </p:cNvPr>
+            <p:cNvCxnSpPr>
+              <a:cxnSpLocks/>
+            </p:cNvCxnSpPr>
+            <p:nvPr/>
+          </p:nvCxnSpPr>
+          <p:spPr>
+            <a:xfrm>
+              <a:off x="2530546" y="3147238"/>
+              <a:ext cx="248094" cy="0"/>
+            </a:xfrm>
+            <a:prstGeom prst="line">
+              <a:avLst/>
+            </a:prstGeom>
+            <a:ln w="38100">
+              <a:solidFill>
+                <a:schemeClr val="tx2">
+                  <a:lumMod val="50000"/>
+                  <a:lumOff val="50000"/>
+                </a:schemeClr>
+              </a:solidFill>
+            </a:ln>
+          </p:spPr>
+          <p:style>
+            <a:lnRef idx="2">
+              <a:schemeClr val="accent1"/>
+            </a:lnRef>
+            <a:fillRef idx="0">
+              <a:schemeClr val="accent1"/>
+            </a:fillRef>
+            <a:effectRef idx="1">
+              <a:schemeClr val="accent1"/>
+            </a:effectRef>
+            <a:fontRef idx="minor">
+              <a:schemeClr val="tx1"/>
+            </a:fontRef>
+          </p:style>
+        </p:cxnSp>
+        <p:cxnSp>
+          <p:nvCxnSpPr>
+            <p:cNvPr id="43" name="Straight Connector 42">
+              <a:extLst>
+                <a:ext uri="{FF2B5EF4-FFF2-40B4-BE49-F238E27FC236}">
+                  <a16:creationId xmlns:a16="http://schemas.microsoft.com/office/drawing/2014/main" id="{B76AA4E5-4C07-280B-9DB3-2B846366E850}"/>
+                </a:ext>
+              </a:extLst>
+            </p:cNvPr>
+            <p:cNvCxnSpPr>
+              <a:cxnSpLocks/>
+            </p:cNvCxnSpPr>
+            <p:nvPr/>
+          </p:nvCxnSpPr>
+          <p:spPr>
+            <a:xfrm>
+              <a:off x="2534079" y="3136606"/>
+              <a:ext cx="0" cy="306573"/>
+            </a:xfrm>
+            <a:prstGeom prst="line">
+              <a:avLst/>
+            </a:prstGeom>
+            <a:ln w="38100">
+              <a:solidFill>
+                <a:schemeClr val="tx2">
+                  <a:lumMod val="50000"/>
+                  <a:lumOff val="50000"/>
+                </a:schemeClr>
+              </a:solidFill>
+            </a:ln>
+          </p:spPr>
+          <p:style>
+            <a:lnRef idx="2">
+              <a:schemeClr val="accent1"/>
+            </a:lnRef>
+            <a:fillRef idx="0">
+              <a:schemeClr val="accent1"/>
+            </a:fillRef>
+            <a:effectRef idx="1">
+              <a:schemeClr val="accent1"/>
+            </a:effectRef>
+            <a:fontRef idx="minor">
+              <a:schemeClr val="tx1"/>
+            </a:fontRef>
+          </p:style>
+        </p:cxnSp>
+        <p:cxnSp>
+          <p:nvCxnSpPr>
+            <p:cNvPr id="44" name="Straight Connector 43">
+              <a:extLst>
+                <a:ext uri="{FF2B5EF4-FFF2-40B4-BE49-F238E27FC236}">
+                  <a16:creationId xmlns:a16="http://schemas.microsoft.com/office/drawing/2014/main" id="{891842F4-79A9-5658-332B-91B0C60C242D}"/>
+                </a:ext>
+              </a:extLst>
+            </p:cNvPr>
+            <p:cNvCxnSpPr>
+              <a:cxnSpLocks/>
+            </p:cNvCxnSpPr>
+            <p:nvPr/>
+          </p:nvCxnSpPr>
+          <p:spPr>
+            <a:xfrm>
+              <a:off x="2544722" y="3429000"/>
+              <a:ext cx="248094" cy="0"/>
+            </a:xfrm>
+            <a:prstGeom prst="line">
+              <a:avLst/>
+            </a:prstGeom>
+            <a:ln w="38100">
+              <a:solidFill>
+                <a:schemeClr val="tx2">
+                  <a:lumMod val="50000"/>
+                  <a:lumOff val="50000"/>
+                </a:schemeClr>
+              </a:solidFill>
+            </a:ln>
+          </p:spPr>
+          <p:style>
+            <a:lnRef idx="2">
+              <a:schemeClr val="accent1"/>
+            </a:lnRef>
+            <a:fillRef idx="0">
+              <a:schemeClr val="accent1"/>
+            </a:fillRef>
+            <a:effectRef idx="1">
+              <a:schemeClr val="accent1"/>
+            </a:effectRef>
+            <a:fontRef idx="minor">
+              <a:schemeClr val="tx1"/>
+            </a:fontRef>
+          </p:style>
+        </p:cxnSp>
+      </p:grpSp>
+      <p:sp>
+        <p:nvSpPr>
+          <p:cNvPr id="53" name="Arc 52">
+            <a:extLst>
+              <a:ext uri="{FF2B5EF4-FFF2-40B4-BE49-F238E27FC236}">
+                <a16:creationId xmlns:a16="http://schemas.microsoft.com/office/drawing/2014/main" id="{D7D82314-DBCE-B8CE-C283-5C0766AFD658}"/>
+              </a:ext>
+            </a:extLst>
+          </p:cNvPr>
+          <p:cNvSpPr/>
+          <p:nvPr/>
+        </p:nvSpPr>
+        <p:spPr>
+          <a:xfrm rot="19931808">
+            <a:off x="5950424" y="2825087"/>
+            <a:ext cx="586854" cy="409432"/>
+          </a:xfrm>
+          <a:prstGeom prst="arc">
+            <a:avLst>
+              <a:gd name="adj1" fmla="val 9206093"/>
+              <a:gd name="adj2" fmla="val 0"/>
+            </a:avLst>
+          </a:prstGeom>
+          <a:ln w="38100">
+            <a:solidFill>
+              <a:srgbClr val="FF0000"/>
+            </a:solidFill>
+            <a:headEnd type="triangle" w="med" len="med"/>
+            <a:tailEnd type="none" w="med" len="med"/>
+          </a:ln>
+        </p:spPr>
+        <p:style>
+          <a:lnRef idx="2">
+            <a:schemeClr val="accent1"/>
+          </a:lnRef>
+          <a:fillRef idx="0">
+            <a:schemeClr val="accent1"/>
+          </a:fillRef>
+          <a:effectRef idx="1">
+            <a:schemeClr val="accent1"/>
+          </a:effectRef>
+          <a:fontRef idx="minor">
+            <a:schemeClr val="tx1"/>
+          </a:fontRef>
+        </p:style>
+        <p:txBody>
+          <a:bodyPr rtlCol="0" anchor="ctr"/>
+          <a:lstStyle/>
+          <a:p>
+            <a:pPr algn="ctr"/>
+            <a:endParaRPr lang="en-US" sz="1400">
+              <a:cs typeface="Calibri" panose="020F0502020204030204" pitchFamily="34" charset="0"/>
+            </a:endParaRPr>
+          </a:p>
+        </p:txBody>
+      </p:sp>
+      <p:sp>
+        <p:nvSpPr>
+          <p:cNvPr id="56" name="Arc 55">
+            <a:extLst>
+              <a:ext uri="{FF2B5EF4-FFF2-40B4-BE49-F238E27FC236}">
+                <a16:creationId xmlns:a16="http://schemas.microsoft.com/office/drawing/2014/main" id="{4FE09508-7BFE-0298-EDB1-13B14103CD6F}"/>
+              </a:ext>
+            </a:extLst>
+          </p:cNvPr>
+          <p:cNvSpPr/>
+          <p:nvPr/>
+        </p:nvSpPr>
+        <p:spPr>
+          <a:xfrm rot="9306273">
+            <a:off x="5848909" y="3052047"/>
+            <a:ext cx="586854" cy="417313"/>
+          </a:xfrm>
+          <a:prstGeom prst="arc">
+            <a:avLst>
+              <a:gd name="adj1" fmla="val 9206093"/>
+              <a:gd name="adj2" fmla="val 0"/>
+            </a:avLst>
+          </a:prstGeom>
+          <a:ln w="38100">
+            <a:solidFill>
+              <a:srgbClr val="FF0000"/>
+            </a:solidFill>
+            <a:headEnd type="triangle" w="med" len="med"/>
+            <a:tailEnd type="none" w="med" len="med"/>
+          </a:ln>
+        </p:spPr>
+        <p:style>
+          <a:lnRef idx="2">
+            <a:schemeClr val="accent1"/>
+          </a:lnRef>
+          <a:fillRef idx="0">
+            <a:schemeClr val="accent1"/>
+          </a:fillRef>
+          <a:effectRef idx="1">
+            <a:schemeClr val="accent1"/>
+          </a:effectRef>
+          <a:fontRef idx="minor">
+            <a:schemeClr val="tx1"/>
+          </a:fontRef>
+        </p:style>
+        <p:txBody>
+          <a:bodyPr rtlCol="0" anchor="ctr"/>
+          <a:lstStyle/>
+          <a:p>
+            <a:pPr algn="ctr"/>
+            <a:endParaRPr lang="en-US" sz="1400">
+              <a:cs typeface="Calibri" panose="020F0502020204030204" pitchFamily="34" charset="0"/>
+            </a:endParaRPr>
+          </a:p>
+        </p:txBody>
+      </p:sp>
+      <p:sp>
+        <p:nvSpPr>
+          <p:cNvPr id="57" name="Arc 56">
+            <a:extLst>
+              <a:ext uri="{FF2B5EF4-FFF2-40B4-BE49-F238E27FC236}">
+                <a16:creationId xmlns:a16="http://schemas.microsoft.com/office/drawing/2014/main" id="{FF4FCA9A-5796-16FF-B8BD-0482E0A718D3}"/>
+              </a:ext>
+            </a:extLst>
+          </p:cNvPr>
+          <p:cNvSpPr/>
+          <p:nvPr/>
+        </p:nvSpPr>
+        <p:spPr>
+          <a:xfrm rot="6676724" flipH="1">
+            <a:off x="5308714" y="3123851"/>
+            <a:ext cx="397664" cy="447799"/>
+          </a:xfrm>
+          <a:prstGeom prst="arc">
+            <a:avLst>
+              <a:gd name="adj1" fmla="val 16200000"/>
+              <a:gd name="adj2" fmla="val 12471394"/>
+            </a:avLst>
+          </a:prstGeom>
+          <a:ln w="38100">
+            <a:solidFill>
+              <a:schemeClr val="tx2">
+                <a:lumMod val="50000"/>
+                <a:lumOff val="50000"/>
+              </a:schemeClr>
+            </a:solidFill>
+            <a:headEnd type="triangle" w="med" len="med"/>
+            <a:tailEnd type="none" w="med" len="med"/>
+          </a:ln>
+        </p:spPr>
+        <p:style>
+          <a:lnRef idx="2">
+            <a:schemeClr val="accent1"/>
+          </a:lnRef>
+          <a:fillRef idx="0">
+            <a:schemeClr val="accent1"/>
+          </a:fillRef>
+          <a:effectRef idx="1">
+            <a:schemeClr val="accent1"/>
+          </a:effectRef>
+          <a:fontRef idx="minor">
+            <a:schemeClr val="tx1"/>
+          </a:fontRef>
+        </p:style>
+        <p:txBody>
+          <a:bodyPr rtlCol="0" anchor="ctr"/>
+          <a:lstStyle/>
+          <a:p>
+            <a:pPr algn="ctr"/>
+            <a:endParaRPr lang="en-US" sz="1400">
+              <a:cs typeface="Calibri" panose="020F0502020204030204" pitchFamily="34" charset="0"/>
+            </a:endParaRPr>
+          </a:p>
+        </p:txBody>
+      </p:sp>
+      <p:pic>
+        <p:nvPicPr>
+          <p:cNvPr id="1026" name="Picture 2" descr="Hospital buildings - Free medical icons">
+            <a:extLst>
+              <a:ext uri="{FF2B5EF4-FFF2-40B4-BE49-F238E27FC236}">
+                <a16:creationId xmlns:a16="http://schemas.microsoft.com/office/drawing/2014/main" id="{BC382C38-0216-4938-29CA-F917E5F06107}"/>
+              </a:ext>
+            </a:extLst>
+          </p:cNvPr>
+          <p:cNvPicPr>
+            <a:picLocks noChangeAspect="1" noChangeArrowheads="1"/>
+          </p:cNvPicPr>
+          <p:nvPr/>
+        </p:nvPicPr>
+        <p:blipFill>
+          <a:blip r:embed="rId4">
+            <a:extLst>
+              <a:ext uri="{28A0092B-C50C-407E-A947-70E740481C1C}">
+                <a14:useLocalDpi xmlns:a14="http://schemas.microsoft.com/office/drawing/2010/main" val="0"/>
+              </a:ext>
+            </a:extLst>
+          </a:blip>
+          <a:srcRect/>
+          <a:stretch>
+            <a:fillRect/>
+          </a:stretch>
+        </p:blipFill>
+        <p:spPr bwMode="auto">
+          <a:xfrm>
+            <a:off x="3073827" y="2381322"/>
+            <a:ext cx="924019" cy="924019"/>
+          </a:xfrm>
+          <a:prstGeom prst="rect">
+            <a:avLst/>
+          </a:prstGeom>
+          <a:noFill/>
+          <a:extLst>
+            <a:ext uri="{909E8E84-426E-40DD-AFC4-6F175D3DCCD1}">
+              <a14:hiddenFill xmlns:a14="http://schemas.microsoft.com/office/drawing/2010/main">
+                <a:solidFill>
+                  <a:srgbClr val="FFFFFF"/>
+                </a:solidFill>
+              </a14:hiddenFill>
+            </a:ext>
+          </a:extLst>
+        </p:spPr>
+      </p:pic>
+      <p:pic>
+        <p:nvPicPr>
+          <p:cNvPr id="1028" name="Picture 4" descr="460+ Covid Test Kit Icon Stock Illustrations, Royalty-Free Vector Graphics  &amp; Clip Art - iStock">
+            <a:extLst>
+              <a:ext uri="{FF2B5EF4-FFF2-40B4-BE49-F238E27FC236}">
+                <a16:creationId xmlns:a16="http://schemas.microsoft.com/office/drawing/2014/main" id="{0E906114-AB96-73F3-594D-5C946323038E}"/>
+              </a:ext>
+            </a:extLst>
+          </p:cNvPr>
+          <p:cNvPicPr>
+            <a:picLocks noChangeAspect="1" noChangeArrowheads="1"/>
+          </p:cNvPicPr>
+          <p:nvPr/>
+        </p:nvPicPr>
+        <p:blipFill rotWithShape="1">
+          <a:blip r:embed="rId5">
+            <a:extLst>
+              <a:ext uri="{28A0092B-C50C-407E-A947-70E740481C1C}">
+                <a14:useLocalDpi xmlns:a14="http://schemas.microsoft.com/office/drawing/2010/main" val="0"/>
+              </a:ext>
+            </a:extLst>
+          </a:blip>
+          <a:srcRect l="52682" t="-18151" r="14996" b="18151"/>
+          <a:stretch/>
+        </p:blipFill>
+        <p:spPr bwMode="auto">
+          <a:xfrm rot="16200000">
+            <a:off x="2942628" y="3803398"/>
+            <a:ext cx="267576" cy="741519"/>
+          </a:xfrm>
+          <a:prstGeom prst="rect">
+            <a:avLst/>
+          </a:prstGeom>
+          <a:noFill/>
+          <a:extLst>
+            <a:ext uri="{909E8E84-426E-40DD-AFC4-6F175D3DCCD1}">
+              <a14:hiddenFill xmlns:a14="http://schemas.microsoft.com/office/drawing/2010/main">
+                <a:solidFill>
+                  <a:srgbClr val="FFFFFF"/>
+                </a:solidFill>
+              </a14:hiddenFill>
+            </a:ext>
+          </a:extLst>
+        </p:spPr>
+      </p:pic>
+      <p:pic>
+        <p:nvPicPr>
+          <p:cNvPr id="58" name="Picture 57">
+            <a:extLst>
+              <a:ext uri="{FF2B5EF4-FFF2-40B4-BE49-F238E27FC236}">
+                <a16:creationId xmlns:a16="http://schemas.microsoft.com/office/drawing/2014/main" id="{F76B6F21-2302-1EE8-5D6D-53AA239B36C2}"/>
+              </a:ext>
+            </a:extLst>
+          </p:cNvPr>
+          <p:cNvPicPr>
+            <a:picLocks noChangeAspect="1"/>
+          </p:cNvPicPr>
+          <p:nvPr/>
+        </p:nvPicPr>
+        <p:blipFill>
+          <a:blip r:embed="rId6"/>
+          <a:stretch>
+            <a:fillRect/>
+          </a:stretch>
+        </p:blipFill>
+        <p:spPr>
+          <a:xfrm>
+            <a:off x="7882886" y="1661243"/>
+            <a:ext cx="949450" cy="720079"/>
+          </a:xfrm>
+          <a:prstGeom prst="rect">
+            <a:avLst/>
+          </a:prstGeom>
+          <a:noFill/>
+          <a:ln w="25400">
+            <a:noFill/>
+          </a:ln>
+          <a:effectLst/>
+        </p:spPr>
+      </p:pic>
+      <p:pic>
+        <p:nvPicPr>
+          <p:cNvPr id="59" name="Picture 58">
+            <a:extLst>
+              <a:ext uri="{FF2B5EF4-FFF2-40B4-BE49-F238E27FC236}">
+                <a16:creationId xmlns:a16="http://schemas.microsoft.com/office/drawing/2014/main" id="{2BE73C8E-B773-F745-4B59-0BD362835129}"/>
+              </a:ext>
+            </a:extLst>
+          </p:cNvPr>
+          <p:cNvPicPr>
+            <a:picLocks noChangeAspect="1"/>
+          </p:cNvPicPr>
+          <p:nvPr/>
+        </p:nvPicPr>
+        <p:blipFill>
+          <a:blip r:embed="rId7"/>
+          <a:stretch>
+            <a:fillRect/>
+          </a:stretch>
+        </p:blipFill>
+        <p:spPr>
+          <a:xfrm>
+            <a:off x="2132818" y="3779111"/>
+            <a:ext cx="646316" cy="646316"/>
+          </a:xfrm>
+          <a:prstGeom prst="rect">
+            <a:avLst/>
+          </a:prstGeom>
+        </p:spPr>
+      </p:pic>
+      <p:sp>
+        <p:nvSpPr>
+          <p:cNvPr id="60" name="TextBox 59">
+            <a:extLst>
+              <a:ext uri="{FF2B5EF4-FFF2-40B4-BE49-F238E27FC236}">
+                <a16:creationId xmlns:a16="http://schemas.microsoft.com/office/drawing/2014/main" id="{331842E3-ABFA-7A4D-41FB-98D870A17689}"/>
+              </a:ext>
+            </a:extLst>
+          </p:cNvPr>
+          <p:cNvSpPr txBox="1"/>
+          <p:nvPr/>
+        </p:nvSpPr>
+        <p:spPr>
+          <a:xfrm>
+            <a:off x="2987251" y="503866"/>
+            <a:ext cx="5691122" cy="707886"/>
+          </a:xfrm>
+          <a:prstGeom prst="rect">
+            <a:avLst/>
+          </a:prstGeom>
+          <a:solidFill>
+            <a:schemeClr val="bg1"/>
+          </a:solidFill>
+          <a:ln w="38100">
+            <a:solidFill>
+              <a:schemeClr val="tx1"/>
+            </a:solidFill>
+          </a:ln>
+        </p:spPr>
+        <p:txBody>
+          <a:bodyPr wrap="square" rtlCol="0">
+            <a:spAutoFit/>
+          </a:bodyPr>
+          <a:lstStyle/>
+          <a:p>
+            <a:pPr algn="ctr"/>
+            <a:r>
+              <a:rPr lang="en-US" sz="2000" b="1" dirty="0">
+                <a:cs typeface="Calibri" panose="020F0502020204030204" pitchFamily="34" charset="0"/>
+              </a:rPr>
+              <a:t>Investigation of 5 human rabies deaths in Tanzania &amp; Kenya </a:t>
+            </a:r>
+          </a:p>
+        </p:txBody>
+      </p:sp>
+      <p:sp>
+        <p:nvSpPr>
+          <p:cNvPr id="61" name="TextBox 60">
+            <a:extLst>
+              <a:ext uri="{FF2B5EF4-FFF2-40B4-BE49-F238E27FC236}">
+                <a16:creationId xmlns:a16="http://schemas.microsoft.com/office/drawing/2014/main" id="{2A2B80E1-9841-CA05-B88A-51444E7F6B2F}"/>
+              </a:ext>
+            </a:extLst>
+          </p:cNvPr>
+          <p:cNvSpPr txBox="1"/>
+          <p:nvPr/>
+        </p:nvSpPr>
+        <p:spPr>
+          <a:xfrm>
+            <a:off x="1528006" y="4582447"/>
+            <a:ext cx="2856265" cy="1384995"/>
+          </a:xfrm>
+          <a:prstGeom prst="rect">
+            <a:avLst/>
+          </a:prstGeom>
+          <a:noFill/>
+          <a:ln w="38100">
+            <a:noFill/>
+          </a:ln>
+        </p:spPr>
+        <p:txBody>
+          <a:bodyPr wrap="square" rtlCol="0">
+            <a:spAutoFit/>
+          </a:bodyPr>
+          <a:lstStyle/>
+          <a:p>
+            <a:pPr algn="ctr"/>
+            <a:r>
+              <a:rPr lang="en-US" sz="1400" dirty="0">
+                <a:cs typeface="Calibri" panose="020F0502020204030204" pitchFamily="34" charset="0"/>
+              </a:rPr>
+              <a:t>Rapid diagnostic testing</a:t>
+            </a:r>
+          </a:p>
+          <a:p>
+            <a:pPr algn="ctr"/>
+            <a:r>
+              <a:rPr lang="en-US" sz="1400" dirty="0">
+                <a:cs typeface="Calibri" panose="020F0502020204030204" pitchFamily="34" charset="0"/>
+              </a:rPr>
+              <a:t>Immunohistochemistry</a:t>
+            </a:r>
+          </a:p>
+          <a:p>
+            <a:pPr algn="ctr"/>
+            <a:endParaRPr lang="en-US" sz="1400" dirty="0">
+              <a:cs typeface="Calibri" panose="020F0502020204030204" pitchFamily="34" charset="0"/>
+            </a:endParaRPr>
+          </a:p>
+          <a:p>
+            <a:pPr algn="ctr"/>
+            <a:endParaRPr lang="en-US" sz="1400" dirty="0">
+              <a:cs typeface="Calibri" panose="020F0502020204030204" pitchFamily="34" charset="0"/>
+            </a:endParaRPr>
+          </a:p>
+          <a:p>
+            <a:pPr algn="ctr"/>
+            <a:r>
+              <a:rPr lang="en-US" sz="1400" dirty="0">
+                <a:cs typeface="Calibri" panose="020F0502020204030204" pitchFamily="34" charset="0"/>
+              </a:rPr>
+              <a:t>Whole genome sequencing</a:t>
+            </a:r>
+          </a:p>
+          <a:p>
+            <a:pPr algn="ctr"/>
+            <a:r>
+              <a:rPr lang="en-US" sz="1400" dirty="0">
+                <a:cs typeface="Calibri" panose="020F0502020204030204" pitchFamily="34" charset="0"/>
+              </a:rPr>
+              <a:t>Phylogenetic analysis</a:t>
+            </a:r>
+          </a:p>
+        </p:txBody>
+      </p:sp>
+      <p:cxnSp>
+        <p:nvCxnSpPr>
+          <p:cNvPr id="1024" name="Straight Arrow Connector 1023">
+            <a:extLst>
+              <a:ext uri="{FF2B5EF4-FFF2-40B4-BE49-F238E27FC236}">
+                <a16:creationId xmlns:a16="http://schemas.microsoft.com/office/drawing/2014/main" id="{C39C1825-8826-969A-DAEA-67EAA0CEF6DC}"/>
+              </a:ext>
+            </a:extLst>
+          </p:cNvPr>
+          <p:cNvCxnSpPr>
+            <a:cxnSpLocks/>
+          </p:cNvCxnSpPr>
+          <p:nvPr/>
+        </p:nvCxnSpPr>
+        <p:spPr>
+          <a:xfrm>
+            <a:off x="2919699" y="5131450"/>
+            <a:ext cx="0" cy="286987"/>
+          </a:xfrm>
+          <a:prstGeom prst="straightConnector1">
+            <a:avLst/>
+          </a:prstGeom>
+          <a:ln w="38100">
+            <a:tailEnd type="triangle"/>
+          </a:ln>
+        </p:spPr>
+        <p:style>
+          <a:lnRef idx="2">
+            <a:schemeClr val="dk1"/>
+          </a:lnRef>
+          <a:fillRef idx="0">
+            <a:schemeClr val="dk1"/>
+          </a:fillRef>
+          <a:effectRef idx="1">
+            <a:schemeClr val="dk1"/>
+          </a:effectRef>
+          <a:fontRef idx="minor">
+            <a:schemeClr val="tx1"/>
+          </a:fontRef>
+        </p:style>
+      </p:cxnSp>
+      <p:sp>
+        <p:nvSpPr>
+          <p:cNvPr id="9" name="TextBox 8">
+            <a:extLst>
+              <a:ext uri="{FF2B5EF4-FFF2-40B4-BE49-F238E27FC236}">
+                <a16:creationId xmlns:a16="http://schemas.microsoft.com/office/drawing/2014/main" id="{E66C8B43-E6A2-1B49-28ED-058B905A786F}"/>
+              </a:ext>
+            </a:extLst>
+          </p:cNvPr>
+          <p:cNvSpPr txBox="1"/>
+          <p:nvPr/>
+        </p:nvSpPr>
+        <p:spPr>
+          <a:xfrm>
+            <a:off x="-13689" y="2257878"/>
+            <a:ext cx="3081711" cy="1169551"/>
+          </a:xfrm>
+          <a:prstGeom prst="rect">
+            <a:avLst/>
+          </a:prstGeom>
+          <a:noFill/>
+        </p:spPr>
+        <p:txBody>
+          <a:bodyPr wrap="square">
+            <a:spAutoFit/>
+          </a:bodyPr>
+          <a:lstStyle/>
+          <a:p>
+            <a:pPr algn="ctr"/>
+            <a:r>
+              <a:rPr lang="en-US" sz="1400" b="1" dirty="0">
+                <a:cs typeface="Calibri" panose="020F0502020204030204" pitchFamily="34" charset="0"/>
+              </a:rPr>
+              <a:t>EPIDEMIOLOGICAL INVESTIGATION</a:t>
+            </a:r>
+          </a:p>
+          <a:p>
+            <a:pPr algn="ctr"/>
+            <a:r>
+              <a:rPr lang="en-US" sz="1400" dirty="0">
+                <a:cs typeface="Calibri" panose="020F0502020204030204" pitchFamily="34" charset="0"/>
+              </a:rPr>
+              <a:t>3/5 had no post-exposure vaccination</a:t>
+            </a:r>
+          </a:p>
+          <a:p>
+            <a:pPr marL="285750" indent="-285750" algn="ctr">
+              <a:buFont typeface="Arial" panose="020B0604020202020204" pitchFamily="34" charset="0"/>
+              <a:buChar char="•"/>
+            </a:pPr>
+            <a:r>
+              <a:rPr lang="en-US" sz="1400" dirty="0">
+                <a:cs typeface="Calibri" panose="020F0502020204030204" pitchFamily="34" charset="0"/>
+              </a:rPr>
+              <a:t>1 had only 1 vaccine dose only</a:t>
+            </a:r>
+          </a:p>
+          <a:p>
+            <a:pPr marL="285750" indent="-285750" algn="ctr">
+              <a:buFont typeface="Arial" panose="020B0604020202020204" pitchFamily="34" charset="0"/>
+              <a:buChar char="•"/>
+            </a:pPr>
+            <a:r>
+              <a:rPr lang="en-US" sz="1400" dirty="0">
+                <a:cs typeface="Calibri" panose="020F0502020204030204" pitchFamily="34" charset="0"/>
+              </a:rPr>
+              <a:t>1 had all doses but incorrect timeline</a:t>
+            </a:r>
+          </a:p>
+        </p:txBody>
+      </p:sp>
+      <p:sp>
+        <p:nvSpPr>
+          <p:cNvPr id="16" name="TextBox 15">
+            <a:extLst>
+              <a:ext uri="{FF2B5EF4-FFF2-40B4-BE49-F238E27FC236}">
+                <a16:creationId xmlns:a16="http://schemas.microsoft.com/office/drawing/2014/main" id="{97725AFF-3400-5409-EB4D-11E68AB0C328}"/>
+              </a:ext>
+            </a:extLst>
+          </p:cNvPr>
+          <p:cNvSpPr txBox="1"/>
+          <p:nvPr/>
+        </p:nvSpPr>
+        <p:spPr>
+          <a:xfrm>
+            <a:off x="7122737" y="4100108"/>
+            <a:ext cx="4767693" cy="2677656"/>
+          </a:xfrm>
+          <a:prstGeom prst="rect">
+            <a:avLst/>
+          </a:prstGeom>
+          <a:noFill/>
+        </p:spPr>
+        <p:txBody>
+          <a:bodyPr wrap="square">
+            <a:spAutoFit/>
+          </a:bodyPr>
+          <a:lstStyle/>
+          <a:p>
+            <a:r>
+              <a:rPr lang="en-US" sz="1400" b="1" dirty="0">
+                <a:cs typeface="Calibri" panose="020F0502020204030204" pitchFamily="34" charset="0"/>
+              </a:rPr>
+              <a:t>CONCLUSIONS and RECOMMENDATION</a:t>
+            </a:r>
+          </a:p>
+          <a:p>
+            <a:pPr marL="285750" indent="-285750">
+              <a:buFont typeface="Wingdings" pitchFamily="2" charset="2"/>
+              <a:buChar char="v"/>
+            </a:pPr>
+            <a:r>
+              <a:rPr lang="en-GB" sz="1400" dirty="0">
+                <a:cs typeface="Calibri" panose="020F0502020204030204" pitchFamily="34" charset="0"/>
+              </a:rPr>
+              <a:t>All the cases due to Dog-mediated rabies</a:t>
+            </a:r>
+          </a:p>
+          <a:p>
+            <a:pPr marL="285750" lvl="0" indent="-285750">
+              <a:buFont typeface="Wingdings" pitchFamily="2" charset="2"/>
+              <a:buChar char="v"/>
+            </a:pPr>
+            <a:r>
+              <a:rPr lang="en-GB" sz="1400" dirty="0">
+                <a:cs typeface="Calibri" panose="020F0502020204030204" pitchFamily="34" charset="0"/>
+              </a:rPr>
+              <a:t>Co-circulating viral lineages</a:t>
+            </a:r>
+          </a:p>
+          <a:p>
+            <a:pPr marL="285750" lvl="0" indent="-285750">
+              <a:buFont typeface="Wingdings" pitchFamily="2" charset="2"/>
+              <a:buChar char="v"/>
+            </a:pPr>
+            <a:r>
+              <a:rPr lang="en-GB" sz="1400" dirty="0">
+                <a:cs typeface="Calibri" panose="020F0502020204030204" pitchFamily="34" charset="0"/>
+              </a:rPr>
+              <a:t>Endemic transboundary spread</a:t>
+            </a:r>
+          </a:p>
+          <a:p>
+            <a:pPr marL="285750" lvl="0" indent="-285750">
+              <a:buFont typeface="Wingdings" pitchFamily="2" charset="2"/>
+              <a:buChar char="v"/>
+            </a:pPr>
+            <a:r>
+              <a:rPr lang="en-GB" sz="1400" dirty="0">
+                <a:cs typeface="Calibri" panose="020F0502020204030204" pitchFamily="34" charset="0"/>
+              </a:rPr>
+              <a:t>Coordinate regional efforts for the 'Zero by 30' goal through better PEP access and mass dog vaccination.</a:t>
+            </a:r>
+          </a:p>
+          <a:p>
+            <a:pPr marL="285750" lvl="0" indent="-285750">
+              <a:buFont typeface="Wingdings" pitchFamily="2" charset="2"/>
+              <a:buChar char="v"/>
+            </a:pPr>
+            <a:r>
+              <a:rPr lang="en-GB" sz="1400" dirty="0">
+                <a:cs typeface="Calibri" panose="020F0502020204030204" pitchFamily="34" charset="0"/>
+              </a:rPr>
+              <a:t>Train medical staff on bite management </a:t>
+            </a:r>
+          </a:p>
+          <a:p>
+            <a:pPr marL="285750" lvl="0" indent="-285750">
+              <a:buFont typeface="Wingdings" pitchFamily="2" charset="2"/>
+              <a:buChar char="v"/>
+            </a:pPr>
+            <a:r>
+              <a:rPr lang="en-GB" sz="1400" dirty="0">
+                <a:cs typeface="Calibri" panose="020F0502020204030204" pitchFamily="34" charset="0"/>
+              </a:rPr>
+              <a:t>Improve access to free PEP </a:t>
+            </a:r>
+          </a:p>
+          <a:p>
+            <a:pPr marL="285750" lvl="0" indent="-285750">
+              <a:buFont typeface="Wingdings" pitchFamily="2" charset="2"/>
+              <a:buChar char="v"/>
+            </a:pPr>
+            <a:r>
+              <a:rPr lang="en-GB" sz="1400" dirty="0">
+                <a:cs typeface="Calibri" panose="020F0502020204030204" pitchFamily="34" charset="0"/>
+              </a:rPr>
+              <a:t>Increase rabies awareness </a:t>
+            </a:r>
+          </a:p>
+          <a:p>
+            <a:pPr marL="285750" lvl="0" indent="-285750">
+              <a:buFont typeface="Wingdings" pitchFamily="2" charset="2"/>
+              <a:buChar char="v"/>
+            </a:pPr>
+            <a:r>
+              <a:rPr lang="en-GB" sz="1400" dirty="0">
+                <a:cs typeface="Calibri" panose="020F0502020204030204" pitchFamily="34" charset="0"/>
+              </a:rPr>
+              <a:t>Enhance diagnosis with rapid tests and genomics </a:t>
+            </a:r>
+          </a:p>
+          <a:p>
+            <a:pPr algn="ctr"/>
+            <a:endParaRPr lang="en-US" sz="1400" b="1" dirty="0">
+              <a:cs typeface="Calibri" panose="020F0502020204030204" pitchFamily="34" charset="0"/>
+            </a:endParaRPr>
+          </a:p>
+          <a:p>
+            <a:pPr marL="285750" indent="-285750" algn="ctr">
+              <a:buFont typeface="Wingdings" pitchFamily="2" charset="2"/>
+              <a:buChar char="v"/>
+            </a:pPr>
+            <a:endParaRPr lang="en-US" sz="1400" b="1" dirty="0">
+              <a:cs typeface="Calibri" panose="020F0502020204030204" pitchFamily="34" charset="0"/>
+            </a:endParaRPr>
+          </a:p>
+        </p:txBody>
+      </p:sp>
+    </p:spTree>
+    <p:extLst>
+      <p:ext uri="{BB962C8B-B14F-4D97-AF65-F5344CB8AC3E}">
+        <p14:creationId xmlns:p14="http://schemas.microsoft.com/office/powerpoint/2010/main" val="3500353788"/>
       </p:ext>
     </p:extLst>
   </p:cSld>
